--- a/Slides/Class22.pptx
+++ b/Slides/Class22.pptx
@@ -5,15 +5,17 @@
     <p:sldMasterId id="2147483648" r:id="rId1"/>
   </p:sldMasterIdLst>
   <p:notesMasterIdLst>
-    <p:notesMasterId r:id="rId5"/>
+    <p:notesMasterId r:id="rId7"/>
   </p:notesMasterIdLst>
   <p:handoutMasterIdLst>
-    <p:handoutMasterId r:id="rId6"/>
+    <p:handoutMasterId r:id="rId8"/>
   </p:handoutMasterIdLst>
   <p:sldIdLst>
     <p:sldId id="258" r:id="rId2"/>
     <p:sldId id="411" r:id="rId3"/>
     <p:sldId id="412" r:id="rId4"/>
+    <p:sldId id="413" r:id="rId5"/>
+    <p:sldId id="414" r:id="rId6"/>
   </p:sldIdLst>
   <p:sldSz cx="9144000" cy="6858000" type="screen4x3"/>
   <p:notesSz cx="6858000" cy="9144000"/>
@@ -227,7 +229,7 @@
           <a:p>
             <a:fld id="{C24322AF-E05B-7249-906C-FBAC6154C037}" type="datetimeFigureOut">
               <a:rPr lang="en-US" smtClean="0"/>
-              <a:t>12/11/18</a:t>
+              <a:t>1/24/21</a:t>
             </a:fld>
             <a:endParaRPr lang="en-US"/>
           </a:p>
@@ -393,7 +395,7 @@
             <a:fld id="{06A43BE5-3BD4-F642-8751-88A31D8D6D13}" type="datetimeFigureOut">
               <a:rPr lang="en-US" smtClean="0"/>
               <a:pPr/>
-              <a:t>12/11/18</a:t>
+              <a:t>1/24/21</a:t>
             </a:fld>
             <a:endParaRPr lang="en-US"/>
           </a:p>
@@ -936,7 +938,7 @@
             <a:fld id="{A4FA2B0E-4818-9849-9CF1-1031FD4E1DAB}" type="datetimeFigureOut">
               <a:rPr lang="en-US" smtClean="0"/>
               <a:pPr/>
-              <a:t>12/11/18</a:t>
+              <a:t>1/24/21</a:t>
             </a:fld>
             <a:endParaRPr lang="en-US"/>
           </a:p>
@@ -1101,7 +1103,7 @@
             <a:fld id="{A4FA2B0E-4818-9849-9CF1-1031FD4E1DAB}" type="datetimeFigureOut">
               <a:rPr lang="en-US" smtClean="0"/>
               <a:pPr/>
-              <a:t>12/11/18</a:t>
+              <a:t>1/24/21</a:t>
             </a:fld>
             <a:endParaRPr lang="en-US"/>
           </a:p>
@@ -1276,7 +1278,7 @@
             <a:fld id="{A4FA2B0E-4818-9849-9CF1-1031FD4E1DAB}" type="datetimeFigureOut">
               <a:rPr lang="en-US" smtClean="0"/>
               <a:pPr/>
-              <a:t>12/11/18</a:t>
+              <a:t>1/24/21</a:t>
             </a:fld>
             <a:endParaRPr lang="en-US"/>
           </a:p>
@@ -1441,7 +1443,7 @@
             <a:fld id="{A4FA2B0E-4818-9849-9CF1-1031FD4E1DAB}" type="datetimeFigureOut">
               <a:rPr lang="en-US" smtClean="0"/>
               <a:pPr/>
-              <a:t>12/11/18</a:t>
+              <a:t>1/24/21</a:t>
             </a:fld>
             <a:endParaRPr lang="en-US"/>
           </a:p>
@@ -1683,7 +1685,7 @@
             <a:fld id="{A4FA2B0E-4818-9849-9CF1-1031FD4E1DAB}" type="datetimeFigureOut">
               <a:rPr lang="en-US" smtClean="0"/>
               <a:pPr/>
-              <a:t>12/11/18</a:t>
+              <a:t>1/24/21</a:t>
             </a:fld>
             <a:endParaRPr lang="en-US"/>
           </a:p>
@@ -1965,7 +1967,7 @@
             <a:fld id="{A4FA2B0E-4818-9849-9CF1-1031FD4E1DAB}" type="datetimeFigureOut">
               <a:rPr lang="en-US" smtClean="0"/>
               <a:pPr/>
-              <a:t>12/11/18</a:t>
+              <a:t>1/24/21</a:t>
             </a:fld>
             <a:endParaRPr lang="en-US"/>
           </a:p>
@@ -2381,7 +2383,7 @@
             <a:fld id="{A4FA2B0E-4818-9849-9CF1-1031FD4E1DAB}" type="datetimeFigureOut">
               <a:rPr lang="en-US" smtClean="0"/>
               <a:pPr/>
-              <a:t>12/11/18</a:t>
+              <a:t>1/24/21</a:t>
             </a:fld>
             <a:endParaRPr lang="en-US"/>
           </a:p>
@@ -2495,7 +2497,7 @@
             <a:fld id="{A4FA2B0E-4818-9849-9CF1-1031FD4E1DAB}" type="datetimeFigureOut">
               <a:rPr lang="en-US" smtClean="0"/>
               <a:pPr/>
-              <a:t>12/11/18</a:t>
+              <a:t>1/24/21</a:t>
             </a:fld>
             <a:endParaRPr lang="en-US"/>
           </a:p>
@@ -2587,7 +2589,7 @@
             <a:fld id="{A4FA2B0E-4818-9849-9CF1-1031FD4E1DAB}" type="datetimeFigureOut">
               <a:rPr lang="en-US" smtClean="0"/>
               <a:pPr/>
-              <a:t>12/11/18</a:t>
+              <a:t>1/24/21</a:t>
             </a:fld>
             <a:endParaRPr lang="en-US"/>
           </a:p>
@@ -2859,7 +2861,7 @@
             <a:fld id="{A4FA2B0E-4818-9849-9CF1-1031FD4E1DAB}" type="datetimeFigureOut">
               <a:rPr lang="en-US" smtClean="0"/>
               <a:pPr/>
-              <a:t>12/11/18</a:t>
+              <a:t>1/24/21</a:t>
             </a:fld>
             <a:endParaRPr lang="en-US"/>
           </a:p>
@@ -3108,7 +3110,7 @@
             <a:fld id="{A4FA2B0E-4818-9849-9CF1-1031FD4E1DAB}" type="datetimeFigureOut">
               <a:rPr lang="en-US" smtClean="0"/>
               <a:pPr/>
-              <a:t>12/11/18</a:t>
+              <a:t>1/24/21</a:t>
             </a:fld>
             <a:endParaRPr lang="en-US"/>
           </a:p>
@@ -3316,7 +3318,7 @@
             <a:fld id="{A4FA2B0E-4818-9849-9CF1-1031FD4E1DAB}" type="datetimeFigureOut">
               <a:rPr lang="en-US" smtClean="0"/>
               <a:pPr/>
-              <a:t>12/11/18</a:t>
+              <a:t>1/24/21</a:t>
             </a:fld>
             <a:endParaRPr lang="en-US"/>
           </a:p>
@@ -3729,7 +3731,7 @@
         <p:spPr>
           <a:xfrm>
             <a:off x="722088" y="3711629"/>
-            <a:ext cx="7436528" cy="1077218"/>
+            <a:ext cx="7436528" cy="1569660"/>
           </a:xfrm>
           <a:prstGeom prst="rect">
             <a:avLst/>
@@ -3761,6 +3763,19 @@
                 <a:cs typeface="Times New Roman"/>
               </a:rPr>
               <a:t>Proposal Abstract Review Panel</a:t>
+            </a:r>
+          </a:p>
+          <a:p>
+            <a:pPr marL="568325" indent="-457200">
+              <a:buFont typeface="Arial" panose="020B0604020202020204" pitchFamily="34" charset="0"/>
+              <a:buChar char="•"/>
+            </a:pPr>
+            <a:r>
+              <a:rPr lang="en-US" sz="3200" dirty="0">
+                <a:latin typeface="Times New Roman"/>
+                <a:cs typeface="Times New Roman"/>
+              </a:rPr>
+              <a:t>Writing a Press Release</a:t>
             </a:r>
           </a:p>
         </p:txBody>
@@ -4309,13 +4324,885 @@
     </p:spTree>
     <p:extLst>
       <p:ext uri="{BB962C8B-B14F-4D97-AF65-F5344CB8AC3E}">
-        <p14:creationId xmlns:p14="http://schemas.microsoft.com/office/powerpoint/2010/main" val="1953137293"/>
+        <p14:creationId xmlns:p14="http://schemas.microsoft.com/office/powerpoint/2010/main" val="1240791600"/>
       </p:ext>
     </p:extLst>
   </p:cSld>
   <p:clrMapOvr>
     <a:masterClrMapping/>
   </p:clrMapOvr>
+</p:sld>
+</file>
+
+<file path=ppt/slides/slide4.xml><?xml version="1.0" encoding="utf-8"?>
+<p:sld xmlns:a="http://schemas.openxmlformats.org/drawingml/2006/main" xmlns:r="http://schemas.openxmlformats.org/officeDocument/2006/relationships" xmlns:p="http://schemas.openxmlformats.org/presentationml/2006/main">
+  <p:cSld>
+    <p:spTree>
+      <p:nvGrpSpPr>
+        <p:cNvPr id="1" name=""/>
+        <p:cNvGrpSpPr/>
+        <p:nvPr/>
+      </p:nvGrpSpPr>
+      <p:grpSpPr>
+        <a:xfrm>
+          <a:off x="0" y="0"/>
+          <a:ext cx="0" cy="0"/>
+          <a:chOff x="0" y="0"/>
+          <a:chExt cx="0" cy="0"/>
+        </a:xfrm>
+      </p:grpSpPr>
+      <p:sp>
+        <p:nvSpPr>
+          <p:cNvPr id="4" name="TextBox 3"/>
+          <p:cNvSpPr txBox="1"/>
+          <p:nvPr/>
+        </p:nvSpPr>
+        <p:spPr>
+          <a:xfrm>
+            <a:off x="275549" y="191702"/>
+            <a:ext cx="6545703" cy="553998"/>
+          </a:xfrm>
+          <a:prstGeom prst="rect">
+            <a:avLst/>
+          </a:prstGeom>
+          <a:noFill/>
+        </p:spPr>
+        <p:txBody>
+          <a:bodyPr wrap="none" rtlCol="0">
+            <a:spAutoFit/>
+          </a:bodyPr>
+          <a:lstStyle/>
+          <a:p>
+            <a:r>
+              <a:rPr lang="en-US" sz="3000" b="1" dirty="0">
+                <a:solidFill>
+                  <a:prstClr val="black"/>
+                </a:solidFill>
+                <a:latin typeface="Times New Roman"/>
+                <a:cs typeface="Times New Roman"/>
+              </a:rPr>
+              <a:t>Press Release</a:t>
+            </a:r>
+            <a:r>
+              <a:rPr lang="en-US" sz="2400" b="1" dirty="0">
+                <a:solidFill>
+                  <a:prstClr val="black"/>
+                </a:solidFill>
+                <a:latin typeface="Times New Roman"/>
+                <a:cs typeface="Times New Roman"/>
+              </a:rPr>
+              <a:t>  </a:t>
+            </a:r>
+            <a:r>
+              <a:rPr lang="en-US" sz="2400" dirty="0">
+                <a:solidFill>
+                  <a:prstClr val="black"/>
+                </a:solidFill>
+                <a:latin typeface="Times New Roman"/>
+                <a:cs typeface="Times New Roman"/>
+              </a:rPr>
+              <a:t>(</a:t>
+            </a:r>
+            <a:r>
+              <a:rPr lang="en-US" sz="2400" i="1" dirty="0">
+                <a:solidFill>
+                  <a:prstClr val="black"/>
+                </a:solidFill>
+                <a:latin typeface="Times New Roman"/>
+                <a:cs typeface="Times New Roman"/>
+              </a:rPr>
+              <a:t>In-Class Activity &amp; Homework</a:t>
+            </a:r>
+            <a:r>
+              <a:rPr lang="en-US" sz="2400" dirty="0">
+                <a:solidFill>
+                  <a:prstClr val="black"/>
+                </a:solidFill>
+                <a:latin typeface="Times New Roman"/>
+                <a:cs typeface="Times New Roman"/>
+              </a:rPr>
+              <a:t>)</a:t>
+            </a:r>
+            <a:endParaRPr lang="en-US" sz="2400" b="1" dirty="0">
+              <a:solidFill>
+                <a:prstClr val="black"/>
+              </a:solidFill>
+              <a:latin typeface="Times New Roman"/>
+              <a:cs typeface="Times New Roman"/>
+            </a:endParaRPr>
+          </a:p>
+        </p:txBody>
+      </p:sp>
+      <p:sp>
+        <p:nvSpPr>
+          <p:cNvPr id="6" name="TextBox 5">
+            <a:extLst>
+              <a:ext uri="{FF2B5EF4-FFF2-40B4-BE49-F238E27FC236}">
+                <a16:creationId xmlns:a16="http://schemas.microsoft.com/office/drawing/2014/main" id="{878A97EC-2834-8447-A6B8-2F5335C4C2C1}"/>
+              </a:ext>
+            </a:extLst>
+          </p:cNvPr>
+          <p:cNvSpPr txBox="1"/>
+          <p:nvPr/>
+        </p:nvSpPr>
+        <p:spPr>
+          <a:xfrm>
+            <a:off x="539604" y="945629"/>
+            <a:ext cx="8505244" cy="3416320"/>
+          </a:xfrm>
+          <a:prstGeom prst="rect">
+            <a:avLst/>
+          </a:prstGeom>
+          <a:noFill/>
+        </p:spPr>
+        <p:txBody>
+          <a:bodyPr wrap="square" rtlCol="0">
+            <a:spAutoFit/>
+          </a:bodyPr>
+          <a:lstStyle/>
+          <a:p>
+            <a:pPr marL="342900" marR="0" lvl="0" indent="-342900">
+              <a:spcBef>
+                <a:spcPts val="0"/>
+              </a:spcBef>
+              <a:spcAft>
+                <a:spcPts val="0"/>
+              </a:spcAft>
+              <a:buFont typeface="Arial" panose="020B0604020202020204" pitchFamily="34" charset="0"/>
+              <a:buChar char="•"/>
+            </a:pPr>
+            <a:r>
+              <a:rPr lang="en-US" sz="2400" dirty="0">
+                <a:latin typeface="Times New Roman" panose="02020603050405020304" pitchFamily="18" charset="0"/>
+                <a:ea typeface="MS Mincho" panose="02020609040205080304" pitchFamily="49" charset="-128"/>
+                <a:cs typeface="Times New Roman" panose="02020603050405020304" pitchFamily="18" charset="0"/>
+              </a:rPr>
+              <a:t>Interview another student about the article they wrote a summary for earlier in the semester</a:t>
+            </a:r>
+          </a:p>
+          <a:p>
+            <a:pPr marL="342900" indent="-342900">
+              <a:buFont typeface="Arial" panose="020B0604020202020204" pitchFamily="34" charset="0"/>
+              <a:buChar char="•"/>
+            </a:pPr>
+            <a:endParaRPr lang="en-US" sz="1200" dirty="0">
+              <a:latin typeface="Times New Roman" panose="02020603050405020304" pitchFamily="18" charset="0"/>
+              <a:ea typeface="MS Mincho" panose="02020609040205080304" pitchFamily="49" charset="-128"/>
+              <a:cs typeface="Times New Roman" panose="02020603050405020304" pitchFamily="18" charset="0"/>
+            </a:endParaRPr>
+          </a:p>
+          <a:p>
+            <a:pPr marL="342900" indent="-342900">
+              <a:buFont typeface="Arial" panose="020B0604020202020204" pitchFamily="34" charset="0"/>
+              <a:buChar char="•"/>
+            </a:pPr>
+            <a:r>
+              <a:rPr lang="en-US" sz="2400" dirty="0">
+                <a:latin typeface="Times New Roman" panose="02020603050405020304" pitchFamily="18" charset="0"/>
+                <a:ea typeface="MS Mincho" panose="02020609040205080304" pitchFamily="49" charset="-128"/>
+                <a:cs typeface="Times New Roman" panose="02020603050405020304" pitchFamily="18" charset="0"/>
+              </a:rPr>
+              <a:t>Based on this interview, write an exciting and easily accessible press release or general-audience article</a:t>
+            </a:r>
+          </a:p>
+          <a:p>
+            <a:pPr marL="342900" indent="-342900">
+              <a:buFont typeface="Arial" panose="020B0604020202020204" pitchFamily="34" charset="0"/>
+              <a:buChar char="•"/>
+            </a:pPr>
+            <a:endParaRPr lang="en-US" sz="1200" dirty="0">
+              <a:latin typeface="Times New Roman" panose="02020603050405020304" pitchFamily="18" charset="0"/>
+              <a:ea typeface="MS Mincho" panose="02020609040205080304" pitchFamily="49" charset="-128"/>
+              <a:cs typeface="Times New Roman" panose="02020603050405020304" pitchFamily="18" charset="0"/>
+            </a:endParaRPr>
+          </a:p>
+          <a:p>
+            <a:pPr marL="342900" indent="-342900">
+              <a:buFont typeface="Arial" panose="020B0604020202020204" pitchFamily="34" charset="0"/>
+              <a:buChar char="•"/>
+            </a:pPr>
+            <a:r>
+              <a:rPr lang="en-US" sz="2400" dirty="0">
+                <a:latin typeface="Times New Roman" panose="02020603050405020304" pitchFamily="18" charset="0"/>
+                <a:ea typeface="MS Mincho" panose="02020609040205080304" pitchFamily="49" charset="-128"/>
+                <a:cs typeface="Times New Roman" panose="02020603050405020304" pitchFamily="18" charset="0"/>
+              </a:rPr>
+              <a:t>Submit this press release in editable format before the next class</a:t>
+            </a:r>
+          </a:p>
+          <a:p>
+            <a:endParaRPr lang="en-US" sz="2400" dirty="0">
+              <a:latin typeface="Times New Roman" panose="02020603050405020304" pitchFamily="18" charset="0"/>
+              <a:ea typeface="MS Mincho" panose="02020609040205080304" pitchFamily="49" charset="-128"/>
+              <a:cs typeface="Times New Roman" panose="02020603050405020304" pitchFamily="18" charset="0"/>
+            </a:endParaRPr>
+          </a:p>
+          <a:p>
+            <a:pPr marL="342900" indent="-342900">
+              <a:buFont typeface="Arial" panose="020B0604020202020204" pitchFamily="34" charset="0"/>
+              <a:buChar char="•"/>
+            </a:pPr>
+            <a:r>
+              <a:rPr lang="en-US" sz="2400" dirty="0">
+                <a:latin typeface="Times New Roman" panose="02020603050405020304" pitchFamily="18" charset="0"/>
+                <a:ea typeface="MS Mincho" panose="02020609040205080304" pitchFamily="49" charset="-128"/>
+                <a:cs typeface="Times New Roman" panose="02020603050405020304" pitchFamily="18" charset="0"/>
+              </a:rPr>
+              <a:t>Also due before the next class: revision of proposal abstract, based on panel review</a:t>
+            </a:r>
+          </a:p>
+        </p:txBody>
+      </p:sp>
+    </p:spTree>
+    <p:extLst>
+      <p:ext uri="{BB962C8B-B14F-4D97-AF65-F5344CB8AC3E}">
+        <p14:creationId xmlns:p14="http://schemas.microsoft.com/office/powerpoint/2010/main" val="1149108517"/>
+      </p:ext>
+    </p:extLst>
+  </p:cSld>
+  <p:clrMapOvr>
+    <a:masterClrMapping/>
+  </p:clrMapOvr>
+</p:sld>
+</file>
+
+<file path=ppt/slides/slide5.xml><?xml version="1.0" encoding="utf-8"?>
+<p:sld xmlns:a="http://schemas.openxmlformats.org/drawingml/2006/main" xmlns:r="http://schemas.openxmlformats.org/officeDocument/2006/relationships" xmlns:p="http://schemas.openxmlformats.org/presentationml/2006/main">
+  <p:cSld>
+    <p:spTree>
+      <p:nvGrpSpPr>
+        <p:cNvPr id="1" name=""/>
+        <p:cNvGrpSpPr/>
+        <p:nvPr/>
+      </p:nvGrpSpPr>
+      <p:grpSpPr>
+        <a:xfrm>
+          <a:off x="0" y="0"/>
+          <a:ext cx="0" cy="0"/>
+          <a:chOff x="0" y="0"/>
+          <a:chExt cx="0" cy="0"/>
+        </a:xfrm>
+      </p:grpSpPr>
+      <p:sp>
+        <p:nvSpPr>
+          <p:cNvPr id="4" name="TextBox 3"/>
+          <p:cNvSpPr txBox="1"/>
+          <p:nvPr/>
+        </p:nvSpPr>
+        <p:spPr>
+          <a:xfrm>
+            <a:off x="275549" y="191702"/>
+            <a:ext cx="4241354" cy="553998"/>
+          </a:xfrm>
+          <a:prstGeom prst="rect">
+            <a:avLst/>
+          </a:prstGeom>
+          <a:noFill/>
+        </p:spPr>
+        <p:txBody>
+          <a:bodyPr wrap="none" rtlCol="0">
+            <a:spAutoFit/>
+          </a:bodyPr>
+          <a:lstStyle/>
+          <a:p>
+            <a:r>
+              <a:rPr lang="en-US" sz="3000" b="1" dirty="0">
+                <a:solidFill>
+                  <a:prstClr val="black"/>
+                </a:solidFill>
+                <a:latin typeface="Times New Roman"/>
+                <a:cs typeface="Times New Roman"/>
+              </a:rPr>
+              <a:t>Press Release Guidelines</a:t>
+            </a:r>
+            <a:endParaRPr lang="en-US" sz="2400" b="1" dirty="0">
+              <a:solidFill>
+                <a:prstClr val="black"/>
+              </a:solidFill>
+              <a:latin typeface="Times New Roman"/>
+              <a:cs typeface="Times New Roman"/>
+            </a:endParaRPr>
+          </a:p>
+        </p:txBody>
+      </p:sp>
+      <p:sp>
+        <p:nvSpPr>
+          <p:cNvPr id="6" name="TextBox 5">
+            <a:extLst>
+              <a:ext uri="{FF2B5EF4-FFF2-40B4-BE49-F238E27FC236}">
+                <a16:creationId xmlns:a16="http://schemas.microsoft.com/office/drawing/2014/main" id="{878A97EC-2834-8447-A6B8-2F5335C4C2C1}"/>
+              </a:ext>
+            </a:extLst>
+          </p:cNvPr>
+          <p:cNvSpPr txBox="1"/>
+          <p:nvPr/>
+        </p:nvSpPr>
+        <p:spPr>
+          <a:xfrm>
+            <a:off x="539604" y="945629"/>
+            <a:ext cx="8505244" cy="5078313"/>
+          </a:xfrm>
+          <a:prstGeom prst="rect">
+            <a:avLst/>
+          </a:prstGeom>
+          <a:noFill/>
+        </p:spPr>
+        <p:txBody>
+          <a:bodyPr wrap="square" rtlCol="0">
+            <a:spAutoFit/>
+          </a:bodyPr>
+          <a:lstStyle/>
+          <a:p>
+            <a:pPr marL="342900" marR="0" lvl="0" indent="-342900">
+              <a:spcBef>
+                <a:spcPts val="0"/>
+              </a:spcBef>
+              <a:spcAft>
+                <a:spcPts val="0"/>
+              </a:spcAft>
+              <a:buFont typeface="Arial" panose="020B0604020202020204" pitchFamily="34" charset="0"/>
+              <a:buChar char="•"/>
+            </a:pPr>
+            <a:r>
+              <a:rPr lang="en-US" sz="2400" dirty="0">
+                <a:latin typeface="Times New Roman" panose="02020603050405020304" pitchFamily="18" charset="0"/>
+                <a:ea typeface="MS Mincho" panose="02020609040205080304" pitchFamily="49" charset="-128"/>
+                <a:cs typeface="Times New Roman" panose="02020603050405020304" pitchFamily="18" charset="0"/>
+              </a:rPr>
+              <a:t>Use a writing style that is appealing and appropriate for a general, non-scientific audience</a:t>
+            </a:r>
+          </a:p>
+          <a:p>
+            <a:pPr marL="342900" indent="-342900">
+              <a:buFont typeface="Arial" panose="020B0604020202020204" pitchFamily="34" charset="0"/>
+              <a:buChar char="•"/>
+            </a:pPr>
+            <a:endParaRPr lang="en-US" sz="1200" dirty="0">
+              <a:latin typeface="Times New Roman" panose="02020603050405020304" pitchFamily="18" charset="0"/>
+              <a:ea typeface="MS Mincho" panose="02020609040205080304" pitchFamily="49" charset="-128"/>
+              <a:cs typeface="Times New Roman" panose="02020603050405020304" pitchFamily="18" charset="0"/>
+            </a:endParaRPr>
+          </a:p>
+          <a:p>
+            <a:pPr marL="342900" indent="-342900">
+              <a:buFont typeface="Arial" panose="020B0604020202020204" pitchFamily="34" charset="0"/>
+              <a:buChar char="•"/>
+            </a:pPr>
+            <a:r>
+              <a:rPr lang="en-US" sz="2400" dirty="0">
+                <a:latin typeface="Times New Roman" panose="02020603050405020304" pitchFamily="18" charset="0"/>
+                <a:ea typeface="MS Mincho" panose="02020609040205080304" pitchFamily="49" charset="-128"/>
+                <a:cs typeface="Times New Roman" panose="02020603050405020304" pitchFamily="18" charset="0"/>
+              </a:rPr>
+              <a:t>Include an appealing title that excites a general audience</a:t>
+            </a:r>
+          </a:p>
+          <a:p>
+            <a:pPr marL="342900" indent="-342900">
+              <a:buFont typeface="Arial" panose="020B0604020202020204" pitchFamily="34" charset="0"/>
+              <a:buChar char="•"/>
+            </a:pPr>
+            <a:endParaRPr lang="en-US" sz="1200" dirty="0">
+              <a:latin typeface="Times New Roman" panose="02020603050405020304" pitchFamily="18" charset="0"/>
+              <a:ea typeface="MS Mincho" panose="02020609040205080304" pitchFamily="49" charset="-128"/>
+              <a:cs typeface="Times New Roman" panose="02020603050405020304" pitchFamily="18" charset="0"/>
+            </a:endParaRPr>
+          </a:p>
+          <a:p>
+            <a:pPr marL="342900" indent="-342900">
+              <a:buFont typeface="Arial" panose="020B0604020202020204" pitchFamily="34" charset="0"/>
+              <a:buChar char="•"/>
+            </a:pPr>
+            <a:r>
+              <a:rPr lang="en-US" sz="2400" dirty="0">
+                <a:latin typeface="Times New Roman" panose="02020603050405020304" pitchFamily="18" charset="0"/>
+                <a:ea typeface="MS Mincho" panose="02020609040205080304" pitchFamily="49" charset="-128"/>
+                <a:cs typeface="Times New Roman" panose="02020603050405020304" pitchFamily="18" charset="0"/>
+              </a:rPr>
+              <a:t>Make it very clear what the broader impact of the research is</a:t>
+            </a:r>
+          </a:p>
+          <a:p>
+            <a:pPr marL="342900" indent="-342900">
+              <a:buFont typeface="Arial" panose="020B0604020202020204" pitchFamily="34" charset="0"/>
+              <a:buChar char="•"/>
+            </a:pPr>
+            <a:endParaRPr lang="en-US" sz="1200" dirty="0">
+              <a:latin typeface="Times New Roman" panose="02020603050405020304" pitchFamily="18" charset="0"/>
+              <a:ea typeface="MS Mincho" panose="02020609040205080304" pitchFamily="49" charset="-128"/>
+              <a:cs typeface="Times New Roman" panose="02020603050405020304" pitchFamily="18" charset="0"/>
+            </a:endParaRPr>
+          </a:p>
+          <a:p>
+            <a:pPr marL="342900" indent="-342900">
+              <a:buFont typeface="Arial" panose="020B0604020202020204" pitchFamily="34" charset="0"/>
+              <a:buChar char="•"/>
+            </a:pPr>
+            <a:r>
+              <a:rPr lang="en-US" sz="2400" dirty="0">
+                <a:latin typeface="Times New Roman" panose="02020603050405020304" pitchFamily="18" charset="0"/>
+                <a:ea typeface="MS Mincho" panose="02020609040205080304" pitchFamily="49" charset="-128"/>
+                <a:cs typeface="Times New Roman" panose="02020603050405020304" pitchFamily="18" charset="0"/>
+              </a:rPr>
+              <a:t>Explain technical aspects in layperson terms and avoid technicalities that are too detailed</a:t>
+            </a:r>
+          </a:p>
+          <a:p>
+            <a:pPr marL="342900" indent="-342900">
+              <a:buFont typeface="Arial" panose="020B0604020202020204" pitchFamily="34" charset="0"/>
+              <a:buChar char="•"/>
+            </a:pPr>
+            <a:endParaRPr lang="en-US" sz="1200" dirty="0">
+              <a:latin typeface="Times New Roman" panose="02020603050405020304" pitchFamily="18" charset="0"/>
+              <a:ea typeface="MS Mincho" panose="02020609040205080304" pitchFamily="49" charset="-128"/>
+              <a:cs typeface="Times New Roman" panose="02020603050405020304" pitchFamily="18" charset="0"/>
+            </a:endParaRPr>
+          </a:p>
+          <a:p>
+            <a:pPr marL="342900" indent="-342900">
+              <a:buFont typeface="Arial" panose="020B0604020202020204" pitchFamily="34" charset="0"/>
+              <a:buChar char="•"/>
+            </a:pPr>
+            <a:r>
+              <a:rPr lang="en-US" sz="2400" dirty="0">
+                <a:latin typeface="Times New Roman" panose="02020603050405020304" pitchFamily="18" charset="0"/>
+                <a:ea typeface="MS Mincho" panose="02020609040205080304" pitchFamily="49" charset="-128"/>
+                <a:cs typeface="Times New Roman" panose="02020603050405020304" pitchFamily="18" charset="0"/>
+              </a:rPr>
+              <a:t>Use analogies to every-day life experiences</a:t>
+            </a:r>
+          </a:p>
+          <a:p>
+            <a:endParaRPr lang="en-US" sz="1200" dirty="0">
+              <a:latin typeface="Times New Roman" panose="02020603050405020304" pitchFamily="18" charset="0"/>
+              <a:ea typeface="MS Mincho" panose="02020609040205080304" pitchFamily="49" charset="-128"/>
+              <a:cs typeface="Times New Roman" panose="02020603050405020304" pitchFamily="18" charset="0"/>
+            </a:endParaRPr>
+          </a:p>
+          <a:p>
+            <a:pPr marL="342900" indent="-342900">
+              <a:buFont typeface="Arial" panose="020B0604020202020204" pitchFamily="34" charset="0"/>
+              <a:buChar char="•"/>
+            </a:pPr>
+            <a:r>
+              <a:rPr lang="en-US" sz="2400" dirty="0">
+                <a:latin typeface="Times New Roman" panose="02020603050405020304" pitchFamily="18" charset="0"/>
+                <a:ea typeface="MS Mincho" panose="02020609040205080304" pitchFamily="49" charset="-128"/>
+                <a:cs typeface="Times New Roman" panose="02020603050405020304" pitchFamily="18" charset="0"/>
+              </a:rPr>
+              <a:t>Include quotes from the people you are interviewing</a:t>
+            </a:r>
+          </a:p>
+          <a:p>
+            <a:pPr marL="342900" indent="-342900">
+              <a:buFont typeface="Arial" panose="020B0604020202020204" pitchFamily="34" charset="0"/>
+              <a:buChar char="•"/>
+            </a:pPr>
+            <a:endParaRPr lang="en-US" sz="1200" dirty="0">
+              <a:latin typeface="Times New Roman" panose="02020603050405020304" pitchFamily="18" charset="0"/>
+              <a:ea typeface="MS Mincho" panose="02020609040205080304" pitchFamily="49" charset="-128"/>
+              <a:cs typeface="Times New Roman" panose="02020603050405020304" pitchFamily="18" charset="0"/>
+            </a:endParaRPr>
+          </a:p>
+          <a:p>
+            <a:pPr marL="342900" indent="-342900">
+              <a:buFont typeface="Arial" panose="020B0604020202020204" pitchFamily="34" charset="0"/>
+              <a:buChar char="•"/>
+            </a:pPr>
+            <a:r>
+              <a:rPr lang="en-US" sz="2400" dirty="0">
+                <a:latin typeface="Times New Roman" panose="02020603050405020304" pitchFamily="18" charset="0"/>
+                <a:ea typeface="MS Mincho" panose="02020609040205080304" pitchFamily="49" charset="-128"/>
+                <a:cs typeface="Times New Roman" panose="02020603050405020304" pitchFamily="18" charset="0"/>
+              </a:rPr>
+              <a:t>Add some nice pictures or artist impressions to illustrate the main points</a:t>
+            </a:r>
+          </a:p>
+        </p:txBody>
+      </p:sp>
+    </p:spTree>
+    <p:extLst>
+      <p:ext uri="{BB962C8B-B14F-4D97-AF65-F5344CB8AC3E}">
+        <p14:creationId xmlns:p14="http://schemas.microsoft.com/office/powerpoint/2010/main" val="4209390719"/>
+      </p:ext>
+    </p:extLst>
+  </p:cSld>
+  <p:clrMapOvr>
+    <a:masterClrMapping/>
+  </p:clrMapOvr>
+  <p:timing>
+    <p:tnLst>
+      <p:par>
+        <p:cTn id="1" dur="indefinite" restart="never" nodeType="tmRoot">
+          <p:childTnLst>
+            <p:seq concurrent="1" nextAc="seek">
+              <p:cTn id="2" dur="indefinite" nodeType="mainSeq">
+                <p:childTnLst>
+                  <p:par>
+                    <p:cTn id="3" fill="hold">
+                      <p:stCondLst>
+                        <p:cond delay="indefinite"/>
+                      </p:stCondLst>
+                      <p:childTnLst>
+                        <p:par>
+                          <p:cTn id="4" fill="hold">
+                            <p:stCondLst>
+                              <p:cond delay="0"/>
+                            </p:stCondLst>
+                            <p:childTnLst>
+                              <p:par>
+                                <p:cTn id="5" presetID="1" presetClass="entr" presetSubtype="0" fill="hold" nodeType="clickEffect">
+                                  <p:stCondLst>
+                                    <p:cond delay="0"/>
+                                  </p:stCondLst>
+                                  <p:childTnLst>
+                                    <p:set>
+                                      <p:cBhvr>
+                                        <p:cTn id="6" dur="1" fill="hold">
+                                          <p:stCondLst>
+                                            <p:cond delay="0"/>
+                                          </p:stCondLst>
+                                        </p:cTn>
+                                        <p:tgtEl>
+                                          <p:spTgt spid="6">
+                                            <p:txEl>
+                                              <p:pRg st="0" end="0"/>
+                                            </p:txEl>
+                                          </p:spTgt>
+                                        </p:tgtEl>
+                                        <p:attrNameLst>
+                                          <p:attrName>style.visibility</p:attrName>
+                                        </p:attrNameLst>
+                                      </p:cBhvr>
+                                      <p:to>
+                                        <p:strVal val="visible"/>
+                                      </p:to>
+                                    </p:set>
+                                  </p:childTnLst>
+                                </p:cTn>
+                              </p:par>
+                            </p:childTnLst>
+                          </p:cTn>
+                        </p:par>
+                      </p:childTnLst>
+                    </p:cTn>
+                  </p:par>
+                  <p:par>
+                    <p:cTn id="7" fill="hold">
+                      <p:stCondLst>
+                        <p:cond delay="indefinite"/>
+                      </p:stCondLst>
+                      <p:childTnLst>
+                        <p:par>
+                          <p:cTn id="8" fill="hold">
+                            <p:stCondLst>
+                              <p:cond delay="0"/>
+                            </p:stCondLst>
+                            <p:childTnLst>
+                              <p:par>
+                                <p:cTn id="9" presetID="1" presetClass="entr" presetSubtype="0" fill="hold" nodeType="clickEffect">
+                                  <p:stCondLst>
+                                    <p:cond delay="0"/>
+                                  </p:stCondLst>
+                                  <p:childTnLst>
+                                    <p:set>
+                                      <p:cBhvr>
+                                        <p:cTn id="10" dur="1" fill="hold">
+                                          <p:stCondLst>
+                                            <p:cond delay="0"/>
+                                          </p:stCondLst>
+                                        </p:cTn>
+                                        <p:tgtEl>
+                                          <p:spTgt spid="6">
+                                            <p:txEl>
+                                              <p:pRg st="2" end="2"/>
+                                            </p:txEl>
+                                          </p:spTgt>
+                                        </p:tgtEl>
+                                        <p:attrNameLst>
+                                          <p:attrName>style.visibility</p:attrName>
+                                        </p:attrNameLst>
+                                      </p:cBhvr>
+                                      <p:to>
+                                        <p:strVal val="visible"/>
+                                      </p:to>
+                                    </p:set>
+                                  </p:childTnLst>
+                                </p:cTn>
+                              </p:par>
+                            </p:childTnLst>
+                          </p:cTn>
+                        </p:par>
+                      </p:childTnLst>
+                    </p:cTn>
+                  </p:par>
+                  <p:par>
+                    <p:cTn id="11" fill="hold">
+                      <p:stCondLst>
+                        <p:cond delay="indefinite"/>
+                      </p:stCondLst>
+                      <p:childTnLst>
+                        <p:par>
+                          <p:cTn id="12" fill="hold">
+                            <p:stCondLst>
+                              <p:cond delay="0"/>
+                            </p:stCondLst>
+                            <p:childTnLst>
+                              <p:par>
+                                <p:cTn id="13" presetID="1" presetClass="entr" presetSubtype="0" fill="hold" nodeType="clickEffect">
+                                  <p:stCondLst>
+                                    <p:cond delay="0"/>
+                                  </p:stCondLst>
+                                  <p:childTnLst>
+                                    <p:set>
+                                      <p:cBhvr>
+                                        <p:cTn id="14" dur="1" fill="hold">
+                                          <p:stCondLst>
+                                            <p:cond delay="0"/>
+                                          </p:stCondLst>
+                                        </p:cTn>
+                                        <p:tgtEl>
+                                          <p:spTgt spid="6">
+                                            <p:txEl>
+                                              <p:pRg st="4" end="4"/>
+                                            </p:txEl>
+                                          </p:spTgt>
+                                        </p:tgtEl>
+                                        <p:attrNameLst>
+                                          <p:attrName>style.visibility</p:attrName>
+                                        </p:attrNameLst>
+                                      </p:cBhvr>
+                                      <p:to>
+                                        <p:strVal val="visible"/>
+                                      </p:to>
+                                    </p:set>
+                                  </p:childTnLst>
+                                </p:cTn>
+                              </p:par>
+                            </p:childTnLst>
+                          </p:cTn>
+                        </p:par>
+                      </p:childTnLst>
+                    </p:cTn>
+                  </p:par>
+                  <p:par>
+                    <p:cTn id="15" fill="hold">
+                      <p:stCondLst>
+                        <p:cond delay="indefinite"/>
+                      </p:stCondLst>
+                      <p:childTnLst>
+                        <p:par>
+                          <p:cTn id="16" fill="hold">
+                            <p:stCondLst>
+                              <p:cond delay="0"/>
+                            </p:stCondLst>
+                            <p:childTnLst>
+                              <p:par>
+                                <p:cTn id="17" presetID="1" presetClass="entr" presetSubtype="0" fill="hold" nodeType="clickEffect">
+                                  <p:stCondLst>
+                                    <p:cond delay="0"/>
+                                  </p:stCondLst>
+                                  <p:childTnLst>
+                                    <p:set>
+                                      <p:cBhvr>
+                                        <p:cTn id="18" dur="1" fill="hold">
+                                          <p:stCondLst>
+                                            <p:cond delay="0"/>
+                                          </p:stCondLst>
+                                        </p:cTn>
+                                        <p:tgtEl>
+                                          <p:spTgt spid="6">
+                                            <p:txEl>
+                                              <p:pRg st="6" end="6"/>
+                                            </p:txEl>
+                                          </p:spTgt>
+                                        </p:tgtEl>
+                                        <p:attrNameLst>
+                                          <p:attrName>style.visibility</p:attrName>
+                                        </p:attrNameLst>
+                                      </p:cBhvr>
+                                      <p:to>
+                                        <p:strVal val="visible"/>
+                                      </p:to>
+                                    </p:set>
+                                  </p:childTnLst>
+                                </p:cTn>
+                              </p:par>
+                            </p:childTnLst>
+                          </p:cTn>
+                        </p:par>
+                      </p:childTnLst>
+                    </p:cTn>
+                  </p:par>
+                  <p:par>
+                    <p:cTn id="19" fill="hold">
+                      <p:stCondLst>
+                        <p:cond delay="indefinite"/>
+                      </p:stCondLst>
+                      <p:childTnLst>
+                        <p:par>
+                          <p:cTn id="20" fill="hold">
+                            <p:stCondLst>
+                              <p:cond delay="0"/>
+                            </p:stCondLst>
+                            <p:childTnLst>
+                              <p:par>
+                                <p:cTn id="21" presetID="1" presetClass="entr" presetSubtype="0" fill="hold" nodeType="clickEffect">
+                                  <p:stCondLst>
+                                    <p:cond delay="0"/>
+                                  </p:stCondLst>
+                                  <p:childTnLst>
+                                    <p:set>
+                                      <p:cBhvr>
+                                        <p:cTn id="22" dur="1" fill="hold">
+                                          <p:stCondLst>
+                                            <p:cond delay="0"/>
+                                          </p:stCondLst>
+                                        </p:cTn>
+                                        <p:tgtEl>
+                                          <p:spTgt spid="6">
+                                            <p:txEl>
+                                              <p:pRg st="8" end="8"/>
+                                            </p:txEl>
+                                          </p:spTgt>
+                                        </p:tgtEl>
+                                        <p:attrNameLst>
+                                          <p:attrName>style.visibility</p:attrName>
+                                        </p:attrNameLst>
+                                      </p:cBhvr>
+                                      <p:to>
+                                        <p:strVal val="visible"/>
+                                      </p:to>
+                                    </p:set>
+                                  </p:childTnLst>
+                                </p:cTn>
+                              </p:par>
+                            </p:childTnLst>
+                          </p:cTn>
+                        </p:par>
+                      </p:childTnLst>
+                    </p:cTn>
+                  </p:par>
+                  <p:par>
+                    <p:cTn id="23" fill="hold">
+                      <p:stCondLst>
+                        <p:cond delay="indefinite"/>
+                      </p:stCondLst>
+                      <p:childTnLst>
+                        <p:par>
+                          <p:cTn id="24" fill="hold">
+                            <p:stCondLst>
+                              <p:cond delay="0"/>
+                            </p:stCondLst>
+                            <p:childTnLst>
+                              <p:par>
+                                <p:cTn id="25" presetID="1" presetClass="entr" presetSubtype="0" fill="hold" nodeType="clickEffect">
+                                  <p:stCondLst>
+                                    <p:cond delay="0"/>
+                                  </p:stCondLst>
+                                  <p:childTnLst>
+                                    <p:set>
+                                      <p:cBhvr>
+                                        <p:cTn id="26" dur="1" fill="hold">
+                                          <p:stCondLst>
+                                            <p:cond delay="0"/>
+                                          </p:stCondLst>
+                                        </p:cTn>
+                                        <p:tgtEl>
+                                          <p:spTgt spid="6">
+                                            <p:txEl>
+                                              <p:pRg st="10" end="10"/>
+                                            </p:txEl>
+                                          </p:spTgt>
+                                        </p:tgtEl>
+                                        <p:attrNameLst>
+                                          <p:attrName>style.visibility</p:attrName>
+                                        </p:attrNameLst>
+                                      </p:cBhvr>
+                                      <p:to>
+                                        <p:strVal val="visible"/>
+                                      </p:to>
+                                    </p:set>
+                                  </p:childTnLst>
+                                </p:cTn>
+                              </p:par>
+                            </p:childTnLst>
+                          </p:cTn>
+                        </p:par>
+                      </p:childTnLst>
+                    </p:cTn>
+                  </p:par>
+                  <p:par>
+                    <p:cTn id="27" fill="hold">
+                      <p:stCondLst>
+                        <p:cond delay="indefinite"/>
+                      </p:stCondLst>
+                      <p:childTnLst>
+                        <p:par>
+                          <p:cTn id="28" fill="hold">
+                            <p:stCondLst>
+                              <p:cond delay="0"/>
+                            </p:stCondLst>
+                            <p:childTnLst>
+                              <p:par>
+                                <p:cTn id="29" presetID="1" presetClass="entr" presetSubtype="0" fill="hold" nodeType="clickEffect">
+                                  <p:stCondLst>
+                                    <p:cond delay="0"/>
+                                  </p:stCondLst>
+                                  <p:childTnLst>
+                                    <p:set>
+                                      <p:cBhvr>
+                                        <p:cTn id="30" dur="1" fill="hold">
+                                          <p:stCondLst>
+                                            <p:cond delay="0"/>
+                                          </p:stCondLst>
+                                        </p:cTn>
+                                        <p:tgtEl>
+                                          <p:spTgt spid="6">
+                                            <p:txEl>
+                                              <p:pRg st="12" end="12"/>
+                                            </p:txEl>
+                                          </p:spTgt>
+                                        </p:tgtEl>
+                                        <p:attrNameLst>
+                                          <p:attrName>style.visibility</p:attrName>
+                                        </p:attrNameLst>
+                                      </p:cBhvr>
+                                      <p:to>
+                                        <p:strVal val="visible"/>
+                                      </p:to>
+                                    </p:set>
+                                  </p:childTnLst>
+                                </p:cTn>
+                              </p:par>
+                            </p:childTnLst>
+                          </p:cTn>
+                        </p:par>
+                      </p:childTnLst>
+                    </p:cTn>
+                  </p:par>
+                </p:childTnLst>
+              </p:cTn>
+              <p:prevCondLst>
+                <p:cond evt="onPrev" delay="0">
+                  <p:tgtEl>
+                    <p:sldTgt/>
+                  </p:tgtEl>
+                </p:cond>
+              </p:prevCondLst>
+              <p:nextCondLst>
+                <p:cond evt="onNext" delay="0">
+                  <p:tgtEl>
+                    <p:sldTgt/>
+                  </p:tgtEl>
+                </p:cond>
+              </p:nextCondLst>
+            </p:seq>
+          </p:childTnLst>
+        </p:cTn>
+      </p:par>
+    </p:tnLst>
+  </p:timing>
 </p:sld>
 </file>
 

--- a/Slides/Class22.pptx
+++ b/Slides/Class22.pptx
@@ -229,7 +229,7 @@
           <a:p>
             <a:fld id="{C24322AF-E05B-7249-906C-FBAC6154C037}" type="datetimeFigureOut">
               <a:rPr lang="en-US" smtClean="0"/>
-              <a:t>1/24/21</a:t>
+              <a:t>6/18/25</a:t>
             </a:fld>
             <a:endParaRPr lang="en-US"/>
           </a:p>
@@ -395,7 +395,7 @@
             <a:fld id="{06A43BE5-3BD4-F642-8751-88A31D8D6D13}" type="datetimeFigureOut">
               <a:rPr lang="en-US" smtClean="0"/>
               <a:pPr/>
-              <a:t>1/24/21</a:t>
+              <a:t>6/18/25</a:t>
             </a:fld>
             <a:endParaRPr lang="en-US"/>
           </a:p>
@@ -938,7 +938,7 @@
             <a:fld id="{A4FA2B0E-4818-9849-9CF1-1031FD4E1DAB}" type="datetimeFigureOut">
               <a:rPr lang="en-US" smtClean="0"/>
               <a:pPr/>
-              <a:t>1/24/21</a:t>
+              <a:t>6/18/25</a:t>
             </a:fld>
             <a:endParaRPr lang="en-US"/>
           </a:p>
@@ -1103,7 +1103,7 @@
             <a:fld id="{A4FA2B0E-4818-9849-9CF1-1031FD4E1DAB}" type="datetimeFigureOut">
               <a:rPr lang="en-US" smtClean="0"/>
               <a:pPr/>
-              <a:t>1/24/21</a:t>
+              <a:t>6/18/25</a:t>
             </a:fld>
             <a:endParaRPr lang="en-US"/>
           </a:p>
@@ -1278,7 +1278,7 @@
             <a:fld id="{A4FA2B0E-4818-9849-9CF1-1031FD4E1DAB}" type="datetimeFigureOut">
               <a:rPr lang="en-US" smtClean="0"/>
               <a:pPr/>
-              <a:t>1/24/21</a:t>
+              <a:t>6/18/25</a:t>
             </a:fld>
             <a:endParaRPr lang="en-US"/>
           </a:p>
@@ -1443,7 +1443,7 @@
             <a:fld id="{A4FA2B0E-4818-9849-9CF1-1031FD4E1DAB}" type="datetimeFigureOut">
               <a:rPr lang="en-US" smtClean="0"/>
               <a:pPr/>
-              <a:t>1/24/21</a:t>
+              <a:t>6/18/25</a:t>
             </a:fld>
             <a:endParaRPr lang="en-US"/>
           </a:p>
@@ -1685,7 +1685,7 @@
             <a:fld id="{A4FA2B0E-4818-9849-9CF1-1031FD4E1DAB}" type="datetimeFigureOut">
               <a:rPr lang="en-US" smtClean="0"/>
               <a:pPr/>
-              <a:t>1/24/21</a:t>
+              <a:t>6/18/25</a:t>
             </a:fld>
             <a:endParaRPr lang="en-US"/>
           </a:p>
@@ -1967,7 +1967,7 @@
             <a:fld id="{A4FA2B0E-4818-9849-9CF1-1031FD4E1DAB}" type="datetimeFigureOut">
               <a:rPr lang="en-US" smtClean="0"/>
               <a:pPr/>
-              <a:t>1/24/21</a:t>
+              <a:t>6/18/25</a:t>
             </a:fld>
             <a:endParaRPr lang="en-US"/>
           </a:p>
@@ -2383,7 +2383,7 @@
             <a:fld id="{A4FA2B0E-4818-9849-9CF1-1031FD4E1DAB}" type="datetimeFigureOut">
               <a:rPr lang="en-US" smtClean="0"/>
               <a:pPr/>
-              <a:t>1/24/21</a:t>
+              <a:t>6/18/25</a:t>
             </a:fld>
             <a:endParaRPr lang="en-US"/>
           </a:p>
@@ -2497,7 +2497,7 @@
             <a:fld id="{A4FA2B0E-4818-9849-9CF1-1031FD4E1DAB}" type="datetimeFigureOut">
               <a:rPr lang="en-US" smtClean="0"/>
               <a:pPr/>
-              <a:t>1/24/21</a:t>
+              <a:t>6/18/25</a:t>
             </a:fld>
             <a:endParaRPr lang="en-US"/>
           </a:p>
@@ -2589,7 +2589,7 @@
             <a:fld id="{A4FA2B0E-4818-9849-9CF1-1031FD4E1DAB}" type="datetimeFigureOut">
               <a:rPr lang="en-US" smtClean="0"/>
               <a:pPr/>
-              <a:t>1/24/21</a:t>
+              <a:t>6/18/25</a:t>
             </a:fld>
             <a:endParaRPr lang="en-US"/>
           </a:p>
@@ -2861,7 +2861,7 @@
             <a:fld id="{A4FA2B0E-4818-9849-9CF1-1031FD4E1DAB}" type="datetimeFigureOut">
               <a:rPr lang="en-US" smtClean="0"/>
               <a:pPr/>
-              <a:t>1/24/21</a:t>
+              <a:t>6/18/25</a:t>
             </a:fld>
             <a:endParaRPr lang="en-US"/>
           </a:p>
@@ -3110,7 +3110,7 @@
             <a:fld id="{A4FA2B0E-4818-9849-9CF1-1031FD4E1DAB}" type="datetimeFigureOut">
               <a:rPr lang="en-US" smtClean="0"/>
               <a:pPr/>
-              <a:t>1/24/21</a:t>
+              <a:t>6/18/25</a:t>
             </a:fld>
             <a:endParaRPr lang="en-US"/>
           </a:p>
@@ -3318,7 +3318,7 @@
             <a:fld id="{A4FA2B0E-4818-9849-9CF1-1031FD4E1DAB}" type="datetimeFigureOut">
               <a:rPr lang="en-US" smtClean="0"/>
               <a:pPr/>
-              <a:t>1/24/21</a:t>
+              <a:t>6/18/25</a:t>
             </a:fld>
             <a:endParaRPr lang="en-US"/>
           </a:p>
